--- a/easter/easter-mini-games.pptx
+++ b/easter/easter-mini-games.pptx
@@ -6918,14 +6918,15 @@
             <a:blip r:embed="rId4">
               <a:extLst/>
             </a:blip>
+            <a:srcRect l="0" t="1708" r="0" b="5808"/>
             <a:stretch>
               <a:fillRect/>
             </a:stretch>
           </p:blipFill>
           <p:spPr>
             <a:xfrm>
-              <a:off x="114300" y="152400"/>
-              <a:ext cx="7649359" cy="4504819"/>
+              <a:off x="114299" y="152400"/>
+              <a:ext cx="7649360" cy="4504819"/>
             </a:xfrm>
             <a:prstGeom prst="rect">
               <a:avLst/>
@@ -7337,7 +7338,7 @@
       </p:grpSpPr>
       <p:sp>
         <p:nvSpPr>
-          <p:cNvPr id="234" name="Keep track of your eggs!"/>
+          <p:cNvPr id="234" name="Hide eggs everywhere…"/>
           <p:cNvSpPr txBox="1"/>
           <p:nvPr>
             <p:ph type="title"/>
@@ -7354,21 +7355,94 @@
           <a:p>
             <a:pPr/>
             <a:r>
-              <a:t>Keep track of your eggs!</a:t>
+              <a:t>Hide eggs everywhere…</a:t>
             </a:r>
           </a:p>
         </p:txBody>
       </p:sp>
+      <p:grpSp>
+        <p:nvGrpSpPr>
+          <p:cNvPr id="237" name="Image"/>
+          <p:cNvGrpSpPr/>
+          <p:nvPr/>
+        </p:nvGrpSpPr>
+        <p:grpSpPr>
+          <a:xfrm>
+            <a:off x="2049453" y="3030160"/>
+            <a:ext cx="8918594" cy="5179180"/>
+            <a:chOff x="0" y="0"/>
+            <a:chExt cx="8918593" cy="5179178"/>
+          </a:xfrm>
+        </p:grpSpPr>
+        <p:pic>
+          <p:nvPicPr>
+            <p:cNvPr id="236" name="Image" descr="Image"/>
+            <p:cNvPicPr>
+              <a:picLocks noChangeAspect="1"/>
+            </p:cNvPicPr>
+            <p:nvPr/>
+          </p:nvPicPr>
+          <p:blipFill>
+            <a:blip r:embed="rId2">
+              <a:extLst/>
+            </a:blip>
+            <a:srcRect l="0" t="0" r="0" b="0"/>
+            <a:stretch>
+              <a:fillRect/>
+            </a:stretch>
+          </p:blipFill>
+          <p:spPr>
+            <a:xfrm>
+              <a:off x="144995" y="101600"/>
+              <a:ext cx="8628603" cy="4836279"/>
+            </a:xfrm>
+            <a:prstGeom prst="rect">
+              <a:avLst/>
+            </a:prstGeom>
+            <a:ln>
+              <a:noFill/>
+            </a:ln>
+            <a:effectLst/>
+          </p:spPr>
+        </p:pic>
+        <p:pic>
+          <p:nvPicPr>
+            <p:cNvPr id="235" name="Image" descr="Image"/>
+            <p:cNvPicPr>
+              <a:picLocks noChangeAspect="0"/>
+            </p:cNvPicPr>
+            <p:nvPr/>
+          </p:nvPicPr>
+          <p:blipFill>
+            <a:blip r:embed="rId3">
+              <a:extLst/>
+            </a:blip>
+            <a:stretch>
+              <a:fillRect/>
+            </a:stretch>
+          </p:blipFill>
+          <p:spPr>
+            <a:xfrm>
+              <a:off x="-1" y="0"/>
+              <a:ext cx="8918595" cy="5179179"/>
+            </a:xfrm>
+            <a:prstGeom prst="rect">
+              <a:avLst/>
+            </a:prstGeom>
+            <a:effectLst/>
+          </p:spPr>
+        </p:pic>
+      </p:grpSp>
       <p:pic>
         <p:nvPicPr>
-          <p:cNvPr id="235" name="Image" descr="Image"/>
+          <p:cNvPr id="238" name="Rectangle" descr="Rectangle"/>
           <p:cNvPicPr>
-            <a:picLocks noChangeAspect="1"/>
+            <a:picLocks noChangeAspect="0"/>
           </p:cNvPicPr>
           <p:nvPr/>
         </p:nvPicPr>
         <p:blipFill>
-          <a:blip r:embed="rId2">
+          <a:blip r:embed="rId4">
             <a:extLst/>
           </a:blip>
           <a:stretch>
@@ -7377,15 +7451,12 @@
         </p:blipFill>
         <p:spPr>
           <a:xfrm>
-            <a:off x="2584450" y="2997199"/>
-            <a:ext cx="8262507" cy="5384801"/>
-          </a:xfrm>
-          <a:prstGeom prst="rect">
-            <a:avLst/>
-          </a:prstGeom>
-          <a:ln w="12700">
-            <a:miter lim="400000"/>
-          </a:ln>
+            <a:off x="4529817" y="5332890"/>
+            <a:ext cx="2869201" cy="573720"/>
+          </a:xfrm>
+          <a:prstGeom prst="rect">
+            <a:avLst/>
+          </a:prstGeom>
         </p:spPr>
       </p:pic>
     </p:spTree>
@@ -7416,7 +7487,7 @@
       </p:grpSpPr>
       <p:sp>
         <p:nvSpPr>
-          <p:cNvPr id="237" name="Hide eggs everywhere…"/>
+          <p:cNvPr id="241" name="Keep track of your eggs!"/>
           <p:cNvSpPr txBox="1"/>
           <p:nvPr>
             <p:ph type="title"/>
@@ -7433,60 +7504,59 @@
           <a:p>
             <a:pPr/>
             <a:r>
-              <a:t>Hide eggs everywhere…</a:t>
+              <a:t>Keep track of your eggs!</a:t>
             </a:r>
           </a:p>
         </p:txBody>
       </p:sp>
+      <p:pic>
+        <p:nvPicPr>
+          <p:cNvPr id="242" name="Image" descr="Image"/>
+          <p:cNvPicPr>
+            <a:picLocks noChangeAspect="1"/>
+          </p:cNvPicPr>
+          <p:nvPr/>
+        </p:nvPicPr>
+        <p:blipFill>
+          <a:blip r:embed="rId2">
+            <a:extLst/>
+          </a:blip>
+          <a:stretch>
+            <a:fillRect/>
+          </a:stretch>
+        </p:blipFill>
+        <p:spPr>
+          <a:xfrm>
+            <a:off x="2584450" y="2997199"/>
+            <a:ext cx="8262507" cy="5384801"/>
+          </a:xfrm>
+          <a:prstGeom prst="rect">
+            <a:avLst/>
+          </a:prstGeom>
+          <a:ln w="12700">
+            <a:miter lim="400000"/>
+          </a:ln>
+        </p:spPr>
+      </p:pic>
       <p:grpSp>
         <p:nvGrpSpPr>
-          <p:cNvPr id="240" name="Image"/>
+          <p:cNvPr id="245" name="Image"/>
           <p:cNvGrpSpPr/>
           <p:nvPr/>
         </p:nvGrpSpPr>
         <p:grpSpPr>
           <a:xfrm>
-            <a:off x="1282700" y="3030160"/>
-            <a:ext cx="10464800" cy="5179180"/>
+            <a:off x="153788" y="2505666"/>
+            <a:ext cx="2115806" cy="3531860"/>
             <a:chOff x="0" y="0"/>
-            <a:chExt cx="10464800" cy="5179178"/>
+            <a:chExt cx="2115804" cy="3531858"/>
           </a:xfrm>
         </p:grpSpPr>
         <p:pic>
           <p:nvPicPr>
-            <p:cNvPr id="239" name="Image" descr="Image"/>
+            <p:cNvPr id="244" name="Image" descr="Image"/>
             <p:cNvPicPr>
               <a:picLocks noChangeAspect="1"/>
-            </p:cNvPicPr>
-            <p:nvPr/>
-          </p:nvPicPr>
-          <p:blipFill>
-            <a:blip r:embed="rId2">
-              <a:extLst/>
-            </a:blip>
-            <a:stretch>
-              <a:fillRect/>
-            </a:stretch>
-          </p:blipFill>
-          <p:spPr>
-            <a:xfrm>
-              <a:off x="101600" y="101600"/>
-              <a:ext cx="10248900" cy="4836279"/>
-            </a:xfrm>
-            <a:prstGeom prst="rect">
-              <a:avLst/>
-            </a:prstGeom>
-            <a:ln>
-              <a:noFill/>
-            </a:ln>
-            <a:effectLst/>
-          </p:spPr>
-        </p:pic>
-        <p:pic>
-          <p:nvPicPr>
-            <p:cNvPr id="238" name="Image" descr="Image"/>
-            <p:cNvPicPr>
-              <a:picLocks noChangeAspect="0"/>
             </p:cNvPicPr>
             <p:nvPr/>
           </p:nvPicPr>
@@ -7500,8 +7570,38 @@
           </p:blipFill>
           <p:spPr>
             <a:xfrm>
+              <a:off x="114300" y="152400"/>
+              <a:ext cx="1887205" cy="3074660"/>
+            </a:xfrm>
+            <a:prstGeom prst="rect">
+              <a:avLst/>
+            </a:prstGeom>
+            <a:ln>
+              <a:noFill/>
+            </a:ln>
+            <a:effectLst/>
+          </p:spPr>
+        </p:pic>
+        <p:pic>
+          <p:nvPicPr>
+            <p:cNvPr id="243" name="Image" descr="Image"/>
+            <p:cNvPicPr>
+              <a:picLocks noChangeAspect="0"/>
+            </p:cNvPicPr>
+            <p:nvPr/>
+          </p:nvPicPr>
+          <p:blipFill>
+            <a:blip r:embed="rId4">
+              <a:extLst/>
+            </a:blip>
+            <a:stretch>
+              <a:fillRect/>
+            </a:stretch>
+          </p:blipFill>
+          <p:spPr>
+            <a:xfrm>
               <a:off x="0" y="0"/>
-              <a:ext cx="10464800" cy="5179179"/>
+              <a:ext cx="2115805" cy="3531859"/>
             </a:xfrm>
             <a:prstGeom prst="rect">
               <a:avLst/>
